--- a/case2.pptx
+++ b/case2.pptx
@@ -241,7 +241,7 @@
           <a:p>
             <a:fld id="{49D5483F-7DD2-464E-8281-7EDD439990F7}" type="datetimeFigureOut">
               <a:rPr lang="zh-TW" altLang="en-US" smtClean="0"/>
-              <a:t>2020/11/16</a:t>
+              <a:t>2020/11/17</a:t>
             </a:fld>
             <a:endParaRPr lang="zh-TW" altLang="en-US"/>
           </a:p>
@@ -419,7 +419,7 @@
           <a:p>
             <a:fld id="{92902768-E5AF-4935-97D1-D2FF0C9A55A2}" type="datetimeFigureOut">
               <a:rPr lang="zh-TW" altLang="en-US" smtClean="0"/>
-              <a:t>2020/11/16</a:t>
+              <a:t>2020/11/17</a:t>
             </a:fld>
             <a:endParaRPr lang="zh-TW" altLang="en-US"/>
           </a:p>
@@ -5608,8 +5608,8 @@
         </p:nvSpPr>
         <p:spPr>
           <a:xfrm>
-            <a:off x="2123728" y="1484784"/>
-            <a:ext cx="6563072" cy="2016224"/>
+            <a:off x="2140674" y="1628800"/>
+            <a:ext cx="7003326" cy="2520280"/>
           </a:xfrm>
         </p:spPr>
         <p:txBody>
@@ -5637,7 +5637,7 @@
               <a:buChar char="•"/>
             </a:pPr>
             <a:r>
-              <a:rPr lang="en-US" altLang="zh-TW" sz="1400" dirty="0"/>
+              <a:rPr lang="en-US" altLang="zh-TW" sz="1200" dirty="0"/>
               <a:t>SE ResNeXt50_32x4d (with ImageNet pretrain 79% top-1) - 77%</a:t>
             </a:r>
           </a:p>
@@ -5650,7 +5650,7 @@
               <a:buChar char="•"/>
             </a:pPr>
             <a:r>
-              <a:rPr lang="en-US" altLang="zh-TW" sz="1400" dirty="0"/>
+              <a:rPr lang="en-US" altLang="zh-TW" sz="1200" dirty="0"/>
               <a:t>SE ResNeXt101_32x4d (with ImageNet pretrain 80% top-1) - 78%</a:t>
             </a:r>
           </a:p>
@@ -5663,7 +5663,7 @@
               <a:buChar char="•"/>
             </a:pPr>
             <a:r>
-              <a:rPr lang="en-US" altLang="zh-TW" sz="1400" dirty="0"/>
+              <a:rPr lang="en-US" altLang="zh-TW" sz="1200" dirty="0"/>
               <a:t>ResNeXt50_32x4d (with SWSL – 82% top-1) - 75%</a:t>
             </a:r>
           </a:p>
@@ -5676,9 +5676,61 @@
               <a:buChar char="•"/>
             </a:pPr>
             <a:r>
-              <a:rPr lang="en-US" altLang="zh-TW" sz="1400" dirty="0"/>
+              <a:rPr lang="en-US" altLang="zh-TW" sz="1200" dirty="0"/>
               <a:t>EfficientNet-b4 (with ImageNet pretrain – 83% top-1) - 72%</a:t>
             </a:r>
+          </a:p>
+          <a:p>
+            <a:pPr marL="1028700" lvl="1">
+              <a:lnSpc>
+                <a:spcPct val="200000"/>
+              </a:lnSpc>
+              <a:buFont typeface="Arial" panose="020B0604020202020204" pitchFamily="34" charset="0"/>
+              <a:buChar char="•"/>
+            </a:pPr>
+            <a:r>
+              <a:rPr lang="en-US" altLang="zh-TW" sz="1200" dirty="0"/>
+              <a:t>TResNet_XL-448</a:t>
+            </a:r>
+            <a:r>
+              <a:rPr lang="zh-TW" altLang="en-US" sz="1200" dirty="0"/>
+              <a:t> </a:t>
+            </a:r>
+            <a:r>
+              <a:rPr lang="en-US" altLang="zh-TW" sz="1200" dirty="0"/>
+              <a:t>(with ImageNet pretrain – 83% top-1) – 75%</a:t>
+            </a:r>
+          </a:p>
+          <a:p>
+            <a:pPr marL="1028700" lvl="1">
+              <a:lnSpc>
+                <a:spcPct val="200000"/>
+              </a:lnSpc>
+              <a:buFont typeface="Arial" panose="020B0604020202020204" pitchFamily="34" charset="0"/>
+              <a:buChar char="•"/>
+            </a:pPr>
+            <a:r>
+              <a:rPr lang="en-US" altLang="zh-TW" sz="1200" dirty="0"/>
+              <a:t>Vision Transformer (</a:t>
+            </a:r>
+            <a:r>
+              <a:rPr lang="en-US" altLang="zh-TW" sz="1200" dirty="0" err="1"/>
+              <a:t>ViT</a:t>
+            </a:r>
+            <a:r>
+              <a:rPr lang="en-US" altLang="zh-TW" sz="1200" dirty="0"/>
+              <a:t> Large) (with ImageNet pretrain – 85% top-1) – 70% </a:t>
+            </a:r>
+          </a:p>
+          <a:p>
+            <a:pPr marL="1028700" lvl="1">
+              <a:lnSpc>
+                <a:spcPct val="200000"/>
+              </a:lnSpc>
+              <a:buFont typeface="Arial" panose="020B0604020202020204" pitchFamily="34" charset="0"/>
+              <a:buChar char="•"/>
+            </a:pPr>
+            <a:endParaRPr lang="en-US" altLang="zh-TW" sz="1400" dirty="0"/>
           </a:p>
           <a:p>
             <a:pPr marL="1028700" lvl="1">
@@ -5715,7 +5767,7 @@
         </p:nvSpPr>
         <p:spPr>
           <a:xfrm>
-            <a:off x="2140674" y="4221088"/>
+            <a:off x="2140674" y="4653136"/>
             <a:ext cx="6679798" cy="1800200"/>
           </a:xfrm>
           <a:prstGeom prst="rect">
